--- a/go学习笔记.pptx
+++ b/go学习笔记.pptx
@@ -44,16 +44,19 @@
     <p:sldId id="299" r:id="rId37"/>
     <p:sldId id="298" r:id="rId38"/>
     <p:sldId id="297" r:id="rId39"/>
-    <p:sldId id="286" r:id="rId40"/>
-    <p:sldId id="285" r:id="rId41"/>
-    <p:sldId id="287" r:id="rId42"/>
-    <p:sldId id="288" r:id="rId43"/>
-    <p:sldId id="289" r:id="rId44"/>
-    <p:sldId id="290" r:id="rId45"/>
-    <p:sldId id="291" r:id="rId46"/>
-    <p:sldId id="292" r:id="rId47"/>
-    <p:sldId id="301" r:id="rId48"/>
-    <p:sldId id="262" r:id="rId49"/>
+    <p:sldId id="316" r:id="rId40"/>
+    <p:sldId id="286" r:id="rId41"/>
+    <p:sldId id="285" r:id="rId42"/>
+    <p:sldId id="287" r:id="rId43"/>
+    <p:sldId id="288" r:id="rId44"/>
+    <p:sldId id="289" r:id="rId45"/>
+    <p:sldId id="290" r:id="rId46"/>
+    <p:sldId id="291" r:id="rId47"/>
+    <p:sldId id="292" r:id="rId48"/>
+    <p:sldId id="301" r:id="rId49"/>
+    <p:sldId id="317" r:id="rId50"/>
+    <p:sldId id="318" r:id="rId51"/>
+    <p:sldId id="262" r:id="rId52"/>
   </p:sldIdLst>
   <p:sldSz cx="12192000" cy="6858000"/>
   <p:notesSz cx="6858000" cy="9144000"/>
@@ -4582,7 +4585,6 @@
             </a:r>
             <a:r>
               <a:rPr lang="en-US" altLang="zh-CN" sz="2400">
-                <a:ln/>
                 <a:solidFill>
                   <a:schemeClr val="accent1"/>
                 </a:solidFill>
@@ -6939,51 +6941,59 @@
           <a:bodyPr/>
           <a:p>
             <a:r>
+              <a:rPr lang="zh-CN" altLang="en-US"/>
+              <a:t>开发环境</a:t>
+            </a:r>
+            <a:endParaRPr lang="zh-CN" altLang="en-US"/>
+          </a:p>
+        </p:txBody>
+      </p:sp>
+      <p:sp>
+        <p:nvSpPr>
+          <p:cNvPr id="3" name="内容占位符 2"/>
+          <p:cNvSpPr>
+            <a:spLocks noGrp="1"/>
+          </p:cNvSpPr>
+          <p:nvPr>
+            <p:ph idx="1"/>
+          </p:nvPr>
+        </p:nvSpPr>
+        <p:spPr/>
+        <p:txBody>
+          <a:bodyPr/>
+          <a:p>
+            <a:r>
+              <a:rPr lang="en-US" altLang="zh-CN"/>
+              <a:t>IDE:IntelliJ IDEA</a:t>
+            </a:r>
+            <a:endParaRPr lang="en-US" altLang="zh-CN"/>
+          </a:p>
+          <a:p>
+            <a:r>
               <a:rPr lang="zh-CN" altLang="zh-CN"/>
-              <a:t>依赖管理</a:t>
+              <a:t>环境变量</a:t>
             </a:r>
             <a:endParaRPr lang="zh-CN" altLang="zh-CN"/>
           </a:p>
-        </p:txBody>
-      </p:sp>
-      <p:sp>
-        <p:nvSpPr>
-          <p:cNvPr id="3" name="内容占位符 2"/>
-          <p:cNvSpPr>
-            <a:spLocks noGrp="1"/>
-          </p:cNvSpPr>
-          <p:nvPr>
-            <p:ph idx="1"/>
-          </p:nvPr>
-        </p:nvSpPr>
-        <p:spPr/>
-        <p:txBody>
-          <a:bodyPr/>
-          <a:p>
+          <a:p>
+            <a:pPr lvl="1">
+              <a:buFont typeface="Wingdings" panose="05000000000000000000" charset="0"/>
+              <a:buChar char=""/>
+            </a:pPr>
             <a:r>
               <a:rPr lang="en-US" altLang="zh-CN"/>
-              <a:t>vender</a:t>
+              <a:t>GOROOT</a:t>
             </a:r>
             <a:endParaRPr lang="en-US" altLang="zh-CN"/>
           </a:p>
           <a:p>
+            <a:pPr lvl="1">
+              <a:buFont typeface="Wingdings" panose="05000000000000000000" charset="0"/>
+              <a:buChar char=""/>
+            </a:pPr>
             <a:r>
               <a:rPr lang="en-US" altLang="zh-CN"/>
-              <a:t>gopkg.in</a:t>
-            </a:r>
-            <a:endParaRPr lang="en-US" altLang="zh-CN"/>
-          </a:p>
-          <a:p>
-            <a:r>
-              <a:rPr lang="en-US" altLang="zh-CN"/>
-              <a:t>godep</a:t>
-            </a:r>
-            <a:endParaRPr lang="en-US" altLang="zh-CN"/>
-          </a:p>
-          <a:p>
-            <a:r>
-              <a:rPr lang="en-US" altLang="zh-CN"/>
-              <a:t>gb:https://getgb.io/</a:t>
+              <a:t>GOPATH</a:t>
             </a:r>
             <a:endParaRPr lang="en-US" altLang="zh-CN"/>
           </a:p>
@@ -7022,10 +7032,10 @@
           <a:bodyPr/>
           <a:p>
             <a:r>
-              <a:rPr lang="zh-CN" altLang="en-US"/>
-              <a:t>文档化</a:t>
-            </a:r>
-            <a:endParaRPr lang="zh-CN" altLang="en-US"/>
+              <a:rPr lang="zh-CN" altLang="zh-CN"/>
+              <a:t>依赖管理</a:t>
+            </a:r>
+            <a:endParaRPr lang="zh-CN" altLang="zh-CN"/>
           </a:p>
         </p:txBody>
       </p:sp>
@@ -7045,24 +7055,30 @@
           <a:p>
             <a:r>
               <a:rPr lang="en-US" altLang="zh-CN"/>
-              <a:t>go doc  xxx                //</a:t>
-            </a:r>
-            <a:r>
-              <a:rPr lang="zh-CN" altLang="en-US"/>
-              <a:t>命令行中显示文档</a:t>
-            </a:r>
-            <a:endParaRPr lang="zh-CN" altLang="en-US"/>
+              <a:t>vender</a:t>
+            </a:r>
+            <a:endParaRPr lang="en-US" altLang="zh-CN"/>
           </a:p>
           <a:p>
             <a:r>
               <a:rPr lang="en-US" altLang="zh-CN"/>
-              <a:t>godoc  -http:=9090 //</a:t>
-            </a:r>
-            <a:r>
-              <a:rPr lang="zh-CN" altLang="zh-CN"/>
-              <a:t>使用浏览器查看文档</a:t>
-            </a:r>
-            <a:endParaRPr lang="zh-CN" altLang="zh-CN"/>
+              <a:t>gopkg.in</a:t>
+            </a:r>
+            <a:endParaRPr lang="en-US" altLang="zh-CN"/>
+          </a:p>
+          <a:p>
+            <a:r>
+              <a:rPr lang="en-US" altLang="zh-CN"/>
+              <a:t>godep</a:t>
+            </a:r>
+            <a:endParaRPr lang="en-US" altLang="zh-CN"/>
+          </a:p>
+          <a:p>
+            <a:r>
+              <a:rPr lang="en-US" altLang="zh-CN"/>
+              <a:t>gb:https://getgb.io/</a:t>
+            </a:r>
+            <a:endParaRPr lang="en-US" altLang="zh-CN"/>
           </a:p>
         </p:txBody>
       </p:sp>
@@ -7077,14 +7093,6 @@
 <file path=ppt/slides/slide39.xml><?xml version="1.0" encoding="utf-8"?>
 <p:sld xmlns:a="http://schemas.openxmlformats.org/drawingml/2006/main" xmlns:r="http://schemas.openxmlformats.org/officeDocument/2006/relationships" xmlns:p="http://schemas.openxmlformats.org/presentationml/2006/main">
   <p:cSld>
-    <p:bg>
-      <p:bgPr>
-        <a:solidFill>
-          <a:srgbClr val="92D050"/>
-        </a:solidFill>
-        <a:effectLst/>
-      </p:bgPr>
-    </p:bg>
     <p:spTree>
       <p:nvGrpSpPr>
         <p:cNvPr id="1" name=""/>
@@ -7094,31 +7102,60 @@
       <p:grpSpPr/>
       <p:sp>
         <p:nvSpPr>
-          <p:cNvPr id="4" name="文本框 3"/>
-          <p:cNvSpPr txBox="1"/>
-          <p:nvPr/>
-        </p:nvSpPr>
-        <p:spPr>
-          <a:xfrm>
-            <a:off x="3282950" y="2948940"/>
-            <a:ext cx="5550535" cy="914400"/>
-          </a:xfrm>
-          <a:prstGeom prst="rect">
-            <a:avLst/>
-          </a:prstGeom>
-          <a:noFill/>
-        </p:spPr>
-        <p:txBody>
-          <a:bodyPr wrap="square" rtlCol="0">
-            <a:spAutoFit/>
-          </a:bodyPr>
-          <a:p>
-            <a:pPr algn="ctr"/>
-            <a:r>
-              <a:rPr lang="zh-CN" altLang="zh-CN" sz="5400"/>
-              <a:t>并发编程</a:t>
-            </a:r>
-            <a:endParaRPr lang="zh-CN" altLang="zh-CN" sz="5400"/>
+          <p:cNvPr id="2" name="标题 1"/>
+          <p:cNvSpPr>
+            <a:spLocks noGrp="1"/>
+          </p:cNvSpPr>
+          <p:nvPr>
+            <p:ph type="title"/>
+          </p:nvPr>
+        </p:nvSpPr>
+        <p:spPr/>
+        <p:txBody>
+          <a:bodyPr/>
+          <a:p>
+            <a:r>
+              <a:rPr lang="zh-CN" altLang="en-US"/>
+              <a:t>文档化</a:t>
+            </a:r>
+            <a:endParaRPr lang="zh-CN" altLang="en-US"/>
+          </a:p>
+        </p:txBody>
+      </p:sp>
+      <p:sp>
+        <p:nvSpPr>
+          <p:cNvPr id="3" name="内容占位符 2"/>
+          <p:cNvSpPr>
+            <a:spLocks noGrp="1"/>
+          </p:cNvSpPr>
+          <p:nvPr>
+            <p:ph idx="1"/>
+          </p:nvPr>
+        </p:nvSpPr>
+        <p:spPr/>
+        <p:txBody>
+          <a:bodyPr/>
+          <a:p>
+            <a:r>
+              <a:rPr lang="en-US" altLang="zh-CN"/>
+              <a:t>go doc  xxx                //</a:t>
+            </a:r>
+            <a:r>
+              <a:rPr lang="zh-CN" altLang="en-US"/>
+              <a:t>命令行中显示文档</a:t>
+            </a:r>
+            <a:endParaRPr lang="zh-CN" altLang="en-US"/>
+          </a:p>
+          <a:p>
+            <a:r>
+              <a:rPr lang="en-US" altLang="zh-CN"/>
+              <a:t>godoc  -http:=9090 //</a:t>
+            </a:r>
+            <a:r>
+              <a:rPr lang="zh-CN" altLang="zh-CN"/>
+              <a:t>使用浏览器查看文档</a:t>
+            </a:r>
+            <a:endParaRPr lang="zh-CN" altLang="zh-CN"/>
           </a:p>
         </p:txBody>
       </p:sp>
@@ -7262,6 +7299,14 @@
 <file path=ppt/slides/slide40.xml><?xml version="1.0" encoding="utf-8"?>
 <p:sld xmlns:a="http://schemas.openxmlformats.org/drawingml/2006/main" xmlns:r="http://schemas.openxmlformats.org/officeDocument/2006/relationships" xmlns:p="http://schemas.openxmlformats.org/presentationml/2006/main">
   <p:cSld>
+    <p:bg>
+      <p:bgPr>
+        <a:solidFill>
+          <a:srgbClr val="92D050"/>
+        </a:solidFill>
+        <a:effectLst/>
+      </p:bgPr>
+    </p:bg>
     <p:spTree>
       <p:nvGrpSpPr>
         <p:cNvPr id="1" name=""/>
@@ -7271,41 +7316,31 @@
       <p:grpSpPr/>
       <p:sp>
         <p:nvSpPr>
-          <p:cNvPr id="2" name="标题 1"/>
-          <p:cNvSpPr>
-            <a:spLocks noGrp="1"/>
-          </p:cNvSpPr>
-          <p:nvPr>
-            <p:ph type="title"/>
-          </p:nvPr>
-        </p:nvSpPr>
-        <p:spPr/>
-        <p:txBody>
-          <a:bodyPr/>
-          <a:p>
-            <a:r>
-              <a:rPr lang="en-US" altLang="zh-CN"/>
-              <a:t>goroutine</a:t>
-            </a:r>
-            <a:endParaRPr lang="en-US" altLang="zh-CN"/>
-          </a:p>
-        </p:txBody>
-      </p:sp>
-      <p:sp>
-        <p:nvSpPr>
-          <p:cNvPr id="3" name="内容占位符 2"/>
-          <p:cNvSpPr>
-            <a:spLocks noGrp="1"/>
-          </p:cNvSpPr>
-          <p:nvPr>
-            <p:ph idx="1"/>
-          </p:nvPr>
-        </p:nvSpPr>
-        <p:spPr/>
-        <p:txBody>
-          <a:bodyPr/>
-          <a:p>
-            <a:endParaRPr lang="zh-CN" altLang="en-US"/>
+          <p:cNvPr id="4" name="文本框 3"/>
+          <p:cNvSpPr txBox="1"/>
+          <p:nvPr/>
+        </p:nvSpPr>
+        <p:spPr>
+          <a:xfrm>
+            <a:off x="3282950" y="2948940"/>
+            <a:ext cx="5550535" cy="914400"/>
+          </a:xfrm>
+          <a:prstGeom prst="rect">
+            <a:avLst/>
+          </a:prstGeom>
+          <a:noFill/>
+        </p:spPr>
+        <p:txBody>
+          <a:bodyPr wrap="square" rtlCol="0">
+            <a:spAutoFit/>
+          </a:bodyPr>
+          <a:p>
+            <a:pPr algn="ctr"/>
+            <a:r>
+              <a:rPr lang="zh-CN" altLang="zh-CN" sz="5400"/>
+              <a:t>并发编程</a:t>
+            </a:r>
+            <a:endParaRPr lang="zh-CN" altLang="zh-CN" sz="5400"/>
           </a:p>
         </p:txBody>
       </p:sp>
@@ -7318,6 +7353,64 @@
 </file>
 
 <file path=ppt/slides/slide41.xml><?xml version="1.0" encoding="utf-8"?>
+<p:sld xmlns:a="http://schemas.openxmlformats.org/drawingml/2006/main" xmlns:r="http://schemas.openxmlformats.org/officeDocument/2006/relationships" xmlns:p="http://schemas.openxmlformats.org/presentationml/2006/main">
+  <p:cSld>
+    <p:spTree>
+      <p:nvGrpSpPr>
+        <p:cNvPr id="1" name=""/>
+        <p:cNvGrpSpPr/>
+        <p:nvPr/>
+      </p:nvGrpSpPr>
+      <p:grpSpPr/>
+      <p:sp>
+        <p:nvSpPr>
+          <p:cNvPr id="2" name="标题 1"/>
+          <p:cNvSpPr>
+            <a:spLocks noGrp="1"/>
+          </p:cNvSpPr>
+          <p:nvPr>
+            <p:ph type="title"/>
+          </p:nvPr>
+        </p:nvSpPr>
+        <p:spPr/>
+        <p:txBody>
+          <a:bodyPr/>
+          <a:p>
+            <a:r>
+              <a:rPr lang="en-US" altLang="zh-CN"/>
+              <a:t>goroutine</a:t>
+            </a:r>
+            <a:endParaRPr lang="en-US" altLang="zh-CN"/>
+          </a:p>
+        </p:txBody>
+      </p:sp>
+      <p:sp>
+        <p:nvSpPr>
+          <p:cNvPr id="3" name="内容占位符 2"/>
+          <p:cNvSpPr>
+            <a:spLocks noGrp="1"/>
+          </p:cNvSpPr>
+          <p:nvPr>
+            <p:ph idx="1"/>
+          </p:nvPr>
+        </p:nvSpPr>
+        <p:spPr/>
+        <p:txBody>
+          <a:bodyPr/>
+          <a:p>
+            <a:endParaRPr lang="zh-CN" altLang="en-US"/>
+          </a:p>
+        </p:txBody>
+      </p:sp>
+    </p:spTree>
+  </p:cSld>
+  <p:clrMapOvr>
+    <a:masterClrMapping/>
+  </p:clrMapOvr>
+</p:sld>
+</file>
+
+<file path=ppt/slides/slide42.xml><?xml version="1.0" encoding="utf-8"?>
 <p:sld xmlns:a="http://schemas.openxmlformats.org/drawingml/2006/main" xmlns:r="http://schemas.openxmlformats.org/officeDocument/2006/relationships" xmlns:p="http://schemas.openxmlformats.org/presentationml/2006/main">
   <p:cSld>
     <p:spTree>
@@ -7381,64 +7474,6 @@
 </p:sld>
 </file>
 
-<file path=ppt/slides/slide42.xml><?xml version="1.0" encoding="utf-8"?>
-<p:sld xmlns:a="http://schemas.openxmlformats.org/drawingml/2006/main" xmlns:r="http://schemas.openxmlformats.org/officeDocument/2006/relationships" xmlns:p="http://schemas.openxmlformats.org/presentationml/2006/main">
-  <p:cSld>
-    <p:spTree>
-      <p:nvGrpSpPr>
-        <p:cNvPr id="1" name=""/>
-        <p:cNvGrpSpPr/>
-        <p:nvPr/>
-      </p:nvGrpSpPr>
-      <p:grpSpPr/>
-      <p:sp>
-        <p:nvSpPr>
-          <p:cNvPr id="2" name="标题 1"/>
-          <p:cNvSpPr>
-            <a:spLocks noGrp="1"/>
-          </p:cNvSpPr>
-          <p:nvPr>
-            <p:ph type="title"/>
-          </p:nvPr>
-        </p:nvSpPr>
-        <p:spPr/>
-        <p:txBody>
-          <a:bodyPr/>
-          <a:p>
-            <a:r>
-              <a:rPr lang="zh-CN" altLang="zh-CN"/>
-              <a:t>安全问题</a:t>
-            </a:r>
-            <a:endParaRPr lang="zh-CN" altLang="zh-CN"/>
-          </a:p>
-        </p:txBody>
-      </p:sp>
-      <p:sp>
-        <p:nvSpPr>
-          <p:cNvPr id="3" name="内容占位符 2"/>
-          <p:cNvSpPr>
-            <a:spLocks noGrp="1"/>
-          </p:cNvSpPr>
-          <p:nvPr>
-            <p:ph idx="1"/>
-          </p:nvPr>
-        </p:nvSpPr>
-        <p:spPr/>
-        <p:txBody>
-          <a:bodyPr/>
-          <a:p>
-            <a:endParaRPr lang="zh-CN" altLang="en-US"/>
-          </a:p>
-        </p:txBody>
-      </p:sp>
-    </p:spTree>
-  </p:cSld>
-  <p:clrMapOvr>
-    <a:masterClrMapping/>
-  </p:clrMapOvr>
-</p:sld>
-</file>
-
 <file path=ppt/slides/slide43.xml><?xml version="1.0" encoding="utf-8"?>
 <p:sld xmlns:a="http://schemas.openxmlformats.org/drawingml/2006/main" xmlns:r="http://schemas.openxmlformats.org/officeDocument/2006/relationships" xmlns:p="http://schemas.openxmlformats.org/presentationml/2006/main">
   <p:cSld>
@@ -7464,10 +7499,10 @@
           <a:bodyPr/>
           <a:p>
             <a:r>
-              <a:rPr lang="zh-CN" altLang="en-US"/>
-              <a:t>原子操作</a:t>
-            </a:r>
-            <a:endParaRPr lang="zh-CN" altLang="en-US"/>
+              <a:rPr lang="zh-CN" altLang="zh-CN"/>
+              <a:t>安全问题</a:t>
+            </a:r>
+            <a:endParaRPr lang="zh-CN" altLang="zh-CN"/>
           </a:p>
         </p:txBody>
       </p:sp>
@@ -7498,6 +7533,64 @@
 </file>
 
 <file path=ppt/slides/slide44.xml><?xml version="1.0" encoding="utf-8"?>
+<p:sld xmlns:a="http://schemas.openxmlformats.org/drawingml/2006/main" xmlns:r="http://schemas.openxmlformats.org/officeDocument/2006/relationships" xmlns:p="http://schemas.openxmlformats.org/presentationml/2006/main">
+  <p:cSld>
+    <p:spTree>
+      <p:nvGrpSpPr>
+        <p:cNvPr id="1" name=""/>
+        <p:cNvGrpSpPr/>
+        <p:nvPr/>
+      </p:nvGrpSpPr>
+      <p:grpSpPr/>
+      <p:sp>
+        <p:nvSpPr>
+          <p:cNvPr id="2" name="标题 1"/>
+          <p:cNvSpPr>
+            <a:spLocks noGrp="1"/>
+          </p:cNvSpPr>
+          <p:nvPr>
+            <p:ph type="title"/>
+          </p:nvPr>
+        </p:nvSpPr>
+        <p:spPr/>
+        <p:txBody>
+          <a:bodyPr/>
+          <a:p>
+            <a:r>
+              <a:rPr lang="zh-CN" altLang="en-US"/>
+              <a:t>原子操作</a:t>
+            </a:r>
+            <a:endParaRPr lang="zh-CN" altLang="en-US"/>
+          </a:p>
+        </p:txBody>
+      </p:sp>
+      <p:sp>
+        <p:nvSpPr>
+          <p:cNvPr id="3" name="内容占位符 2"/>
+          <p:cNvSpPr>
+            <a:spLocks noGrp="1"/>
+          </p:cNvSpPr>
+          <p:nvPr>
+            <p:ph idx="1"/>
+          </p:nvPr>
+        </p:nvSpPr>
+        <p:spPr/>
+        <p:txBody>
+          <a:bodyPr/>
+          <a:p>
+            <a:endParaRPr lang="zh-CN" altLang="en-US"/>
+          </a:p>
+        </p:txBody>
+      </p:sp>
+    </p:spTree>
+  </p:cSld>
+  <p:clrMapOvr>
+    <a:masterClrMapping/>
+  </p:clrMapOvr>
+</p:sld>
+</file>
+
+<file path=ppt/slides/slide45.xml><?xml version="1.0" encoding="utf-8"?>
 <p:sld xmlns:a="http://schemas.openxmlformats.org/drawingml/2006/main" xmlns:r="http://schemas.openxmlformats.org/officeDocument/2006/relationships" xmlns:p="http://schemas.openxmlformats.org/presentationml/2006/main">
   <p:cSld>
     <p:spTree>
@@ -7571,7 +7664,7 @@
 </p:sld>
 </file>
 
-<file path=ppt/slides/slide45.xml><?xml version="1.0" encoding="utf-8"?>
+<file path=ppt/slides/slide46.xml><?xml version="1.0" encoding="utf-8"?>
 <p:sld xmlns:a="http://schemas.openxmlformats.org/drawingml/2006/main" xmlns:r="http://schemas.openxmlformats.org/officeDocument/2006/relationships" xmlns:p="http://schemas.openxmlformats.org/presentationml/2006/main">
   <p:cSld>
     <p:spTree>
@@ -7720,7 +7813,7 @@
 </p:sld>
 </file>
 
-<file path=ppt/slides/slide46.xml><?xml version="1.0" encoding="utf-8"?>
+<file path=ppt/slides/slide47.xml><?xml version="1.0" encoding="utf-8"?>
 <p:sld xmlns:a="http://schemas.openxmlformats.org/drawingml/2006/main" xmlns:r="http://schemas.openxmlformats.org/officeDocument/2006/relationships" xmlns:p="http://schemas.openxmlformats.org/presentationml/2006/main">
   <p:cSld>
     <p:spTree>
@@ -7742,6 +7835,154 @@
         </p:nvSpPr>
         <p:spPr/>
         <p:txBody>
+          <a:bodyPr>
+            <a:normAutofit/>
+          </a:bodyPr>
+          <a:p>
+            <a:r>
+              <a:rPr lang="en-US" altLang="zh-CN"/>
+              <a:t>Fan In</a:t>
+            </a:r>
+            <a:endParaRPr lang="en-US" altLang="zh-CN"/>
+          </a:p>
+        </p:txBody>
+      </p:sp>
+      <p:pic>
+        <p:nvPicPr>
+          <p:cNvPr id="4" name="图片 3"/>
+          <p:cNvPicPr>
+            <a:picLocks noChangeAspect="1"/>
+          </p:cNvPicPr>
+          <p:nvPr/>
+        </p:nvPicPr>
+        <p:blipFill>
+          <a:blip r:embed="rId1"/>
+          <a:stretch>
+            <a:fillRect/>
+          </a:stretch>
+        </p:blipFill>
+        <p:spPr>
+          <a:xfrm>
+            <a:off x="120650" y="2049780"/>
+            <a:ext cx="6097905" cy="3315335"/>
+          </a:xfrm>
+          <a:prstGeom prst="rect">
+            <a:avLst/>
+          </a:prstGeom>
+        </p:spPr>
+      </p:pic>
+      <p:pic>
+        <p:nvPicPr>
+          <p:cNvPr id="5" name="图片 4"/>
+          <p:cNvPicPr>
+            <a:picLocks noChangeAspect="1"/>
+          </p:cNvPicPr>
+          <p:nvPr/>
+        </p:nvPicPr>
+        <p:blipFill>
+          <a:blip r:embed="rId2"/>
+          <a:stretch>
+            <a:fillRect/>
+          </a:stretch>
+        </p:blipFill>
+        <p:spPr>
+          <a:xfrm>
+            <a:off x="6343650" y="1296670"/>
+            <a:ext cx="5742940" cy="5448935"/>
+          </a:xfrm>
+          <a:prstGeom prst="rect">
+            <a:avLst/>
+          </a:prstGeom>
+        </p:spPr>
+      </p:pic>
+    </p:spTree>
+  </p:cSld>
+  <p:clrMapOvr>
+    <a:masterClrMapping/>
+  </p:clrMapOvr>
+</p:sld>
+</file>
+
+<file path=ppt/slides/slide48.xml><?xml version="1.0" encoding="utf-8"?>
+<p:sld xmlns:a="http://schemas.openxmlformats.org/drawingml/2006/main" xmlns:r="http://schemas.openxmlformats.org/officeDocument/2006/relationships" xmlns:p="http://schemas.openxmlformats.org/presentationml/2006/main">
+  <p:cSld>
+    <p:spTree>
+      <p:nvGrpSpPr>
+        <p:cNvPr id="1" name=""/>
+        <p:cNvGrpSpPr/>
+        <p:nvPr/>
+      </p:nvGrpSpPr>
+      <p:grpSpPr/>
+      <p:sp>
+        <p:nvSpPr>
+          <p:cNvPr id="2" name="标题 1"/>
+          <p:cNvSpPr>
+            <a:spLocks noGrp="1"/>
+          </p:cNvSpPr>
+          <p:nvPr>
+            <p:ph type="title"/>
+          </p:nvPr>
+        </p:nvSpPr>
+        <p:spPr/>
+        <p:txBody>
+          <a:bodyPr/>
+          <a:p>
+            <a:r>
+              <a:rPr lang="en-US" altLang="zh-CN"/>
+              <a:t>Fan out</a:t>
+            </a:r>
+            <a:endParaRPr lang="en-US" altLang="zh-CN"/>
+          </a:p>
+        </p:txBody>
+      </p:sp>
+      <p:sp>
+        <p:nvSpPr>
+          <p:cNvPr id="3" name="内容占位符 2"/>
+          <p:cNvSpPr>
+            <a:spLocks noGrp="1"/>
+          </p:cNvSpPr>
+          <p:nvPr>
+            <p:ph idx="1"/>
+          </p:nvPr>
+        </p:nvSpPr>
+        <p:spPr/>
+        <p:txBody>
+          <a:bodyPr/>
+          <a:p>
+            <a:endParaRPr lang="zh-CN" altLang="en-US"/>
+          </a:p>
+        </p:txBody>
+      </p:sp>
+    </p:spTree>
+  </p:cSld>
+  <p:clrMapOvr>
+    <a:masterClrMapping/>
+  </p:clrMapOvr>
+</p:sld>
+</file>
+
+<file path=ppt/slides/slide49.xml><?xml version="1.0" encoding="utf-8"?>
+<p:sld xmlns:a="http://schemas.openxmlformats.org/drawingml/2006/main" xmlns:r="http://schemas.openxmlformats.org/officeDocument/2006/relationships" xmlns:p="http://schemas.openxmlformats.org/presentationml/2006/main">
+  <p:cSld>
+    <p:spTree>
+      <p:nvGrpSpPr>
+        <p:cNvPr id="1" name=""/>
+        <p:cNvGrpSpPr/>
+        <p:nvPr/>
+      </p:nvGrpSpPr>
+      <p:grpSpPr/>
+      <p:sp>
+        <p:nvSpPr>
+          <p:cNvPr id="2" name="标题 1"/>
+          <p:cNvSpPr>
+            <a:spLocks noGrp="1"/>
+          </p:cNvSpPr>
+          <p:nvPr>
+            <p:ph type="title"/>
+          </p:nvPr>
+        </p:nvSpPr>
+        <p:spPr/>
+        <p:txBody>
           <a:bodyPr/>
           <a:p>
             <a:r>
@@ -7772,7 +8013,7 @@
             </a:r>
             <a:r>
               <a:rPr lang="en-US" altLang="zh-CN">
-                <a:hlinkClick r:id="rId1" tooltip="" action="ppaction://hlinkfile"/>
+                <a:hlinkClick r:id="rId1" action="ppaction://hlinkfile"/>
               </a:rPr>
               <a:t>https://tour.golang.org</a:t>
             </a:r>
@@ -7785,7 +8026,7 @@
             </a:r>
             <a:r>
               <a:rPr lang="zh-CN" altLang="en-US">
-                <a:hlinkClick r:id="rId2" tooltip="" action="ppaction://hlinkfile"/>
+                <a:hlinkClick r:id="rId2" action="ppaction://hlinkfile"/>
               </a:rPr>
               <a:t>https://play.golang.org/ </a:t>
             </a:r>
@@ -8691,8 +8932,6 @@
       </a:bgFillStyleLst>
     </a:fmtScheme>
   </a:themeElements>
-  <a:objectDefaults/>
-  <a:extraClrSchemeLst/>
   <a:extLst>
     <a:ext uri="{05A4C25C-085E-4340-85A3-A5531E510DB2}">
       <thm15:themeFamily xmlns:thm15="http://schemas.microsoft.com/office/thememl/2012/main" name="Office Theme" id="{62F939B6-93AF-4DB8-9C6B-D6C7DFDC589F}" vid="{4A3C46E8-61CC-4603-A589-7422A47A8E4A}"/>
@@ -8952,8 +9191,6 @@
       </a:bgFillStyleLst>
     </a:fmtScheme>
   </a:themeElements>
-  <a:objectDefaults/>
-  <a:extraClrSchemeLst/>
   <a:extLst>
     <a:ext uri="{05A4C25C-085E-4340-85A3-A5531E510DB2}">
       <thm15:themeFamily xmlns:thm15="http://schemas.microsoft.com/office/thememl/2012/main" name="Office Theme" id="{62F939B6-93AF-4DB8-9C6B-D6C7DFDC589F}" vid="{4A3C46E8-61CC-4603-A589-7422A47A8E4A}"/>
